--- a/slides/phpV202211111.pptx
+++ b/slides/phpV202211111.pptx
@@ -974,135 +974,6 @@
           </a:p>
         </p:txBody>
       </p:sp>
-      <p:grpSp>
-        <p:nvGrpSpPr>
-          <p:cNvPr id="7" name="Group 6"/>
-          <p:cNvGrpSpPr/>
-          <p:nvPr/>
-        </p:nvGrpSpPr>
-        <p:grpSpPr>
-          <a:xfrm>
-            <a:off x="752858" y="744469"/>
-            <a:ext cx="10674117" cy="5349671"/>
-            <a:chOff x="752858" y="744469"/>
-            <a:chExt cx="10674117" cy="5349671"/>
-          </a:xfrm>
-        </p:grpSpPr>
-        <p:sp>
-          <p:nvSpPr>
-            <p:cNvPr id="11" name="Freeform 6"/>
-            <p:cNvSpPr/>
-            <p:nvPr/>
-          </p:nvSpPr>
-          <p:spPr bwMode="auto">
-            <a:xfrm>
-              <a:off x="8151962" y="1685652"/>
-              <a:ext cx="3275013" cy="4408488"/>
-            </a:xfrm>
-            <a:custGeom>
-              <a:avLst/>
-              <a:gdLst/>
-              <a:ahLst/>
-              <a:cxnLst/>
-              <a:rect l="l" t="t" r="r" b="b"/>
-              <a:pathLst>
-                <a:path w="10000" h="10000">
-                  <a:moveTo>
-                    <a:pt x="8761" y="0"/>
-                  </a:moveTo>
-                  <a:lnTo>
-                    <a:pt x="10000" y="0"/>
-                  </a:lnTo>
-                  <a:lnTo>
-                    <a:pt x="10000" y="10000"/>
-                  </a:lnTo>
-                  <a:lnTo>
-                    <a:pt x="0" y="10000"/>
-                  </a:lnTo>
-                  <a:lnTo>
-                    <a:pt x="0" y="9126"/>
-                  </a:lnTo>
-                  <a:lnTo>
-                    <a:pt x="8761" y="9127"/>
-                  </a:lnTo>
-                  <a:lnTo>
-                    <a:pt x="8761" y="0"/>
-                  </a:lnTo>
-                  <a:close/>
-                </a:path>
-              </a:pathLst>
-            </a:custGeom>
-            <a:solidFill>
-              <a:schemeClr val="tx2"/>
-            </a:solidFill>
-            <a:ln w="0">
-              <a:noFill/>
-              <a:prstDash val="solid"/>
-              <a:round/>
-              <a:headEnd/>
-              <a:tailEnd/>
-            </a:ln>
-          </p:spPr>
-        </p:sp>
-        <p:sp>
-          <p:nvSpPr>
-            <p:cNvPr id="14" name="Freeform 6"/>
-            <p:cNvSpPr/>
-            <p:nvPr/>
-          </p:nvSpPr>
-          <p:spPr bwMode="auto">
-            <a:xfrm flipH="1" flipV="1">
-              <a:off x="752858" y="744469"/>
-              <a:ext cx="3275668" cy="4408488"/>
-            </a:xfrm>
-            <a:custGeom>
-              <a:avLst/>
-              <a:gdLst/>
-              <a:ahLst/>
-              <a:cxnLst/>
-              <a:rect l="l" t="t" r="r" b="b"/>
-              <a:pathLst>
-                <a:path w="10002" h="10000">
-                  <a:moveTo>
-                    <a:pt x="8763" y="0"/>
-                  </a:moveTo>
-                  <a:lnTo>
-                    <a:pt x="10002" y="0"/>
-                  </a:lnTo>
-                  <a:lnTo>
-                    <a:pt x="10002" y="10000"/>
-                  </a:lnTo>
-                  <a:lnTo>
-                    <a:pt x="2" y="10000"/>
-                  </a:lnTo>
-                  <a:cubicBezTo>
-                    <a:pt x="-2" y="9698"/>
-                    <a:pt x="4" y="9427"/>
-                    <a:pt x="0" y="9125"/>
-                  </a:cubicBezTo>
-                  <a:lnTo>
-                    <a:pt x="8763" y="9128"/>
-                  </a:lnTo>
-                  <a:lnTo>
-                    <a:pt x="8763" y="0"/>
-                  </a:lnTo>
-                  <a:close/>
-                </a:path>
-              </a:pathLst>
-            </a:custGeom>
-            <a:solidFill>
-              <a:schemeClr val="tx2"/>
-            </a:solidFill>
-            <a:ln w="0">
-              <a:noFill/>
-              <a:prstDash val="solid"/>
-              <a:round/>
-              <a:headEnd/>
-              <a:tailEnd/>
-            </a:ln>
-          </p:spPr>
-        </p:sp>
-      </p:grpSp>
     </p:spTree>
     <p:extLst>
       <p:ext uri="{BB962C8B-B14F-4D97-AF65-F5344CB8AC3E}">
@@ -1450,7 +1321,12 @@
             <p:ph type="title"/>
           </p:nvPr>
         </p:nvSpPr>
-        <p:spPr/>
+        <p:spPr>
+          <a:xfrm>
+            <a:off x="1371600" y="685800"/>
+            <a:ext cx="9601200" cy="722376"/>
+          </a:xfrm>
+        </p:spPr>
         <p:txBody>
           <a:bodyPr/>
           <a:lstStyle/>
@@ -1473,7 +1349,12 @@
             <p:ph idx="1"/>
           </p:nvPr>
         </p:nvSpPr>
-        <p:spPr/>
+        <p:spPr>
+          <a:xfrm>
+            <a:off x="1371600" y="1563624"/>
+            <a:ext cx="9601200" cy="4681728"/>
+          </a:xfrm>
+        </p:spPr>
         <p:txBody>
           <a:bodyPr/>
           <a:lstStyle/>
@@ -3661,6 +3542,36 @@
           <a:chExt cx="0" cy="0"/>
         </a:xfrm>
       </p:grpSpPr>
+      <p:pic>
+        <p:nvPicPr>
+          <p:cNvPr id="7" name="圖片 6">
+            <a:extLst>
+              <a:ext uri="{FF2B5EF4-FFF2-40B4-BE49-F238E27FC236}">
+                <a16:creationId xmlns:a16="http://schemas.microsoft.com/office/drawing/2014/main" id="{4086F0BB-CB8E-4A30-B263-B986E368055F}"/>
+              </a:ext>
+            </a:extLst>
+          </p:cNvPr>
+          <p:cNvPicPr>
+            <a:picLocks noChangeAspect="1"/>
+          </p:cNvPicPr>
+          <p:nvPr userDrawn="1"/>
+        </p:nvPicPr>
+        <p:blipFill>
+          <a:blip r:embed="rId13"/>
+          <a:stretch>
+            <a:fillRect/>
+          </a:stretch>
+        </p:blipFill>
+        <p:spPr>
+          <a:xfrm>
+            <a:off x="0" y="223"/>
+            <a:ext cx="12192000" cy="6857553"/>
+          </a:xfrm>
+          <a:prstGeom prst="rect">
+            <a:avLst/>
+          </a:prstGeom>
+        </p:spPr>
+      </p:pic>
       <p:sp>
         <p:nvSpPr>
           <p:cNvPr id="2" name="Title Placeholder 1"/>
@@ -3844,44 +3755,6 @@
             <a:endParaRPr lang="zh-TW" altLang="en-US"/>
           </a:p>
         </p:txBody>
-      </p:sp>
-      <p:sp>
-        <p:nvSpPr>
-          <p:cNvPr id="9" name="Rectangle 8" title="Side bar"/>
-          <p:cNvSpPr/>
-          <p:nvPr/>
-        </p:nvSpPr>
-        <p:spPr>
-          <a:xfrm>
-            <a:off x="478095" y="376"/>
-            <a:ext cx="228600" cy="6858000"/>
-          </a:xfrm>
-          <a:prstGeom prst="rect">
-            <a:avLst/>
-          </a:prstGeom>
-          <a:solidFill>
-            <a:schemeClr val="tx2"/>
-          </a:solidFill>
-          <a:ln>
-            <a:noFill/>
-          </a:ln>
-        </p:spPr>
-        <p:style>
-          <a:lnRef idx="2">
-            <a:schemeClr val="accent1">
-              <a:shade val="50000"/>
-            </a:schemeClr>
-          </a:lnRef>
-          <a:fillRef idx="1">
-            <a:schemeClr val="accent1"/>
-          </a:fillRef>
-          <a:effectRef idx="0">
-            <a:schemeClr val="accent1"/>
-          </a:effectRef>
-          <a:fontRef idx="minor">
-            <a:schemeClr val="lt1"/>
-          </a:fontRef>
-        </p:style>
       </p:sp>
     </p:spTree>
     <p:extLst>
@@ -4278,64 +4151,12 @@
           <a:chExt cx="0" cy="0"/>
         </a:xfrm>
       </p:grpSpPr>
-      <p:sp>
-        <p:nvSpPr>
-          <p:cNvPr id="2" name="標題 1"/>
-          <p:cNvSpPr>
-            <a:spLocks noGrp="1"/>
-          </p:cNvSpPr>
-          <p:nvPr>
-            <p:ph type="ctrTitle"/>
-          </p:nvPr>
-        </p:nvSpPr>
-        <p:spPr/>
-        <p:txBody>
-          <a:bodyPr/>
-          <a:lstStyle/>
-          <a:p>
-            <a:r>
-              <a:rPr lang="en-US" altLang="zh-TW" dirty="0"/>
-              <a:t>Server web - PHP</a:t>
-            </a:r>
-            <a:endParaRPr lang="zh-TW" altLang="en-US" dirty="0"/>
-          </a:p>
-        </p:txBody>
-      </p:sp>
-      <p:sp>
-        <p:nvSpPr>
-          <p:cNvPr id="3" name="副標題 2"/>
-          <p:cNvSpPr>
-            <a:spLocks noGrp="1"/>
-          </p:cNvSpPr>
-          <p:nvPr>
-            <p:ph type="subTitle" idx="1"/>
-          </p:nvPr>
-        </p:nvSpPr>
-        <p:spPr/>
-        <p:txBody>
-          <a:bodyPr/>
-          <a:lstStyle/>
-          <a:p>
-            <a:r>
-              <a:rPr lang="en-US" altLang="zh-TW" dirty="0"/>
-              <a:t>Steve </a:t>
-            </a:r>
-          </a:p>
-          <a:p>
-            <a:r>
-              <a:rPr lang="en-US" altLang="zh-TW" dirty="0"/>
-              <a:t>2022/11/11</a:t>
-            </a:r>
-            <a:endParaRPr lang="zh-TW" altLang="en-US" dirty="0"/>
-          </a:p>
-        </p:txBody>
-      </p:sp>
       <p:pic>
         <p:nvPicPr>
-          <p:cNvPr id="5" name="圖片 4">
+          <p:cNvPr id="4" name="圖片 3">
             <a:extLst>
               <a:ext uri="{FF2B5EF4-FFF2-40B4-BE49-F238E27FC236}">
-                <a16:creationId xmlns:a16="http://schemas.microsoft.com/office/drawing/2014/main" id="{21710956-0954-45FB-A209-3DFD09599B05}"/>
+                <a16:creationId xmlns:a16="http://schemas.microsoft.com/office/drawing/2014/main" id="{8890DB86-DDA5-46AC-8F8D-BB8B32F28336}"/>
               </a:ext>
             </a:extLst>
           </p:cNvPr>
@@ -4345,27 +4166,93 @@
           <p:nvPr/>
         </p:nvPicPr>
         <p:blipFill>
-          <a:blip r:embed="rId3" cstate="print">
-            <a:extLst>
-              <a:ext uri="{28A0092B-C50C-407E-A947-70E740481C1C}">
-                <a14:useLocalDpi xmlns:a14="http://schemas.microsoft.com/office/drawing/2010/main" val="0"/>
-              </a:ext>
-            </a:extLst>
-          </a:blip>
+          <a:blip r:embed="rId3"/>
           <a:stretch>
             <a:fillRect/>
           </a:stretch>
         </p:blipFill>
         <p:spPr>
           <a:xfrm>
-            <a:off x="9511579" y="6289052"/>
-            <a:ext cx="2454965" cy="393756"/>
+            <a:off x="0" y="223"/>
+            <a:ext cx="12192000" cy="6857553"/>
           </a:xfrm>
           <a:prstGeom prst="rect">
             <a:avLst/>
           </a:prstGeom>
         </p:spPr>
       </p:pic>
+      <p:sp>
+        <p:nvSpPr>
+          <p:cNvPr id="2" name="標題 1"/>
+          <p:cNvSpPr>
+            <a:spLocks noGrp="1"/>
+          </p:cNvSpPr>
+          <p:nvPr>
+            <p:ph type="ctrTitle"/>
+          </p:nvPr>
+        </p:nvSpPr>
+        <p:spPr>
+          <a:xfrm>
+            <a:off x="145963" y="5481375"/>
+            <a:ext cx="8361229" cy="1086238"/>
+          </a:xfrm>
+        </p:spPr>
+        <p:txBody>
+          <a:bodyPr/>
+          <a:lstStyle/>
+          <a:p>
+            <a:r>
+              <a:rPr lang="en-US" altLang="zh-TW" dirty="0">
+                <a:solidFill>
+                  <a:srgbClr val="002060"/>
+                </a:solidFill>
+              </a:rPr>
+              <a:t>Server web - PHP</a:t>
+            </a:r>
+            <a:endParaRPr lang="zh-TW" altLang="en-US" dirty="0">
+              <a:solidFill>
+                <a:srgbClr val="002060"/>
+              </a:solidFill>
+            </a:endParaRPr>
+          </a:p>
+        </p:txBody>
+      </p:sp>
+      <p:sp>
+        <p:nvSpPr>
+          <p:cNvPr id="3" name="副標題 2"/>
+          <p:cNvSpPr>
+            <a:spLocks noGrp="1"/>
+          </p:cNvSpPr>
+          <p:nvPr>
+            <p:ph type="subTitle" idx="1"/>
+          </p:nvPr>
+        </p:nvSpPr>
+        <p:spPr>
+          <a:xfrm>
+            <a:off x="9127245" y="5481375"/>
+            <a:ext cx="2789583" cy="1086237"/>
+          </a:xfrm>
+        </p:spPr>
+        <p:txBody>
+          <a:bodyPr/>
+          <a:lstStyle/>
+          <a:p>
+            <a:pPr algn="r"/>
+            <a:r>
+              <a:rPr lang="en-US" altLang="zh-TW" dirty="0"/>
+              <a:t>Steve </a:t>
+            </a:r>
+          </a:p>
+          <a:p>
+            <a:pPr algn="r"/>
+            <a:r>
+              <a:rPr lang="en-US" altLang="zh-TW" dirty="0"/>
+              <a:t>2022/11/11</a:t>
+            </a:r>
+            <a:endParaRPr lang="zh-TW" altLang="en-US" dirty="0"/>
+          </a:p>
+        </p:txBody>
+      </p:sp>
     </p:spTree>
     <p:extLst>
       <p:ext uri="{BB962C8B-B14F-4D97-AF65-F5344CB8AC3E}">
@@ -4653,13 +4540,13 @@
         </p:nvSpPr>
         <p:spPr>
           <a:xfrm>
-            <a:off x="1371600" y="2286000"/>
-            <a:ext cx="9601200" cy="4343400"/>
+            <a:off x="1371600" y="1490870"/>
+            <a:ext cx="9601200" cy="5158408"/>
           </a:xfrm>
         </p:spPr>
         <p:txBody>
           <a:bodyPr>
-            <a:normAutofit fontScale="92500" lnSpcReduction="20000"/>
+            <a:normAutofit/>
           </a:bodyPr>
           <a:lstStyle/>
           <a:p>
@@ -4912,7 +4799,7 @@
         </p:blipFill>
         <p:spPr>
           <a:xfrm>
-            <a:off x="1769165" y="2757686"/>
+            <a:off x="1769165" y="2081825"/>
             <a:ext cx="7782339" cy="3360402"/>
           </a:xfrm>
           <a:prstGeom prst="rect">
@@ -5057,7 +4944,7 @@
         </p:blipFill>
         <p:spPr>
           <a:xfrm>
-            <a:off x="1825587" y="2716952"/>
+            <a:off x="1825587" y="2036271"/>
             <a:ext cx="5757969" cy="3736434"/>
           </a:xfrm>
           <a:prstGeom prst="rect">
@@ -5356,7 +5243,7 @@
         </p:blipFill>
         <p:spPr>
           <a:xfrm>
-            <a:off x="1371600" y="2766321"/>
+            <a:off x="1371600" y="2060955"/>
             <a:ext cx="5916813" cy="3687065"/>
           </a:xfrm>
           <a:prstGeom prst="rect">
@@ -5630,7 +5517,7 @@
         </p:blipFill>
         <p:spPr>
           <a:xfrm>
-            <a:off x="1490870" y="3239744"/>
+            <a:off x="1451114" y="2484370"/>
             <a:ext cx="6241495" cy="3410980"/>
           </a:xfrm>
           <a:prstGeom prst="rect">
@@ -5686,7 +5573,9 @@
         </p:nvSpPr>
         <p:spPr/>
         <p:txBody>
-          <a:bodyPr/>
+          <a:bodyPr>
+            <a:normAutofit fontScale="90000"/>
+          </a:bodyPr>
           <a:lstStyle/>
           <a:p>
             <a:r>
@@ -5810,7 +5699,7 @@
         </p:blipFill>
         <p:spPr>
           <a:xfrm>
-            <a:off x="1473890" y="3189166"/>
+            <a:off x="1463951" y="2528234"/>
             <a:ext cx="6278632" cy="3643966"/>
           </a:xfrm>
           <a:prstGeom prst="rect">
